--- a/guide/Image-Ideas.pptx
+++ b/guide/Image-Ideas.pptx
@@ -115,6 +115,22 @@
       </a:defRPr>
     </a:lvl9pPr>
   </p:defaultTextStyle>
+  <p:extLst>
+    <p:ext uri="{EFAFB233-063F-42B5-8137-9DF3F51BA10A}">
+      <p15:sldGuideLst xmlns:p15="http://schemas.microsoft.com/office/powerpoint/2012/main">
+        <p15:guide id="1" orient="horz" pos="2160">
+          <p15:clr>
+            <a:srgbClr val="A4A3A4"/>
+          </p15:clr>
+        </p15:guide>
+        <p15:guide id="2" pos="2880">
+          <p15:clr>
+            <a:srgbClr val="A4A3A4"/>
+          </p15:clr>
+        </p15:guide>
+      </p15:sldGuideLst>
+    </p:ext>
+  </p:extLst>
 </p:presentation>
 </file>
 
@@ -156,10 +172,9 @@
           <a:lstStyle/>
           <a:p>
             <a:r>
-              <a:rPr lang="en-US" smtClean="0"/>
+              <a:rPr lang="en-US"/>
               <a:t>Click to edit Master title style</a:t>
             </a:r>
-            <a:endParaRPr lang="en-US"/>
           </a:p>
         </p:txBody>
       </p:sp>
@@ -275,10 +290,9 @@
           </a:lstStyle>
           <a:p>
             <a:r>
-              <a:rPr lang="en-US" smtClean="0"/>
+              <a:rPr lang="en-US"/>
               <a:t>Click to edit Master subtitle style</a:t>
             </a:r>
-            <a:endParaRPr lang="en-US"/>
           </a:p>
         </p:txBody>
       </p:sp>
@@ -299,7 +313,7 @@
           <a:p>
             <a:fld id="{62EB0FEE-78E5-4793-89B9-7C17C11ADF92}" type="datetimeFigureOut">
               <a:rPr lang="en-US" smtClean="0"/>
-              <a:t>4/18/2015</a:t>
+              <a:t>8/24/2019</a:t>
             </a:fld>
             <a:endParaRPr lang="en-US"/>
           </a:p>
@@ -388,10 +402,9 @@
           <a:lstStyle/>
           <a:p>
             <a:r>
-              <a:rPr lang="en-US" smtClean="0"/>
+              <a:rPr lang="en-US"/>
               <a:t>Click to edit Master title style</a:t>
             </a:r>
-            <a:endParaRPr lang="en-US"/>
           </a:p>
         </p:txBody>
       </p:sp>
@@ -412,38 +425,37 @@
           <a:p>
             <a:pPr lvl="0"/>
             <a:r>
-              <a:rPr lang="en-US" smtClean="0"/>
+              <a:rPr lang="en-US"/>
               <a:t>Click to edit Master text styles</a:t>
             </a:r>
           </a:p>
           <a:p>
             <a:pPr lvl="1"/>
             <a:r>
-              <a:rPr lang="en-US" smtClean="0"/>
+              <a:rPr lang="en-US"/>
               <a:t>Second level</a:t>
             </a:r>
           </a:p>
           <a:p>
             <a:pPr lvl="2"/>
             <a:r>
-              <a:rPr lang="en-US" smtClean="0"/>
+              <a:rPr lang="en-US"/>
               <a:t>Third level</a:t>
             </a:r>
           </a:p>
           <a:p>
             <a:pPr lvl="3"/>
             <a:r>
-              <a:rPr lang="en-US" smtClean="0"/>
+              <a:rPr lang="en-US"/>
               <a:t>Fourth level</a:t>
             </a:r>
           </a:p>
           <a:p>
             <a:pPr lvl="4"/>
             <a:r>
-              <a:rPr lang="en-US" smtClean="0"/>
+              <a:rPr lang="en-US"/>
               <a:t>Fifth level</a:t>
             </a:r>
-            <a:endParaRPr lang="en-US"/>
           </a:p>
         </p:txBody>
       </p:sp>
@@ -464,7 +476,7 @@
           <a:p>
             <a:fld id="{62EB0FEE-78E5-4793-89B9-7C17C11ADF92}" type="datetimeFigureOut">
               <a:rPr lang="en-US" smtClean="0"/>
-              <a:t>4/18/2015</a:t>
+              <a:t>8/24/2019</a:t>
             </a:fld>
             <a:endParaRPr lang="en-US"/>
           </a:p>
@@ -558,10 +570,9 @@
           <a:lstStyle/>
           <a:p>
             <a:r>
-              <a:rPr lang="en-US" smtClean="0"/>
+              <a:rPr lang="en-US"/>
               <a:t>Click to edit Master title style</a:t>
             </a:r>
-            <a:endParaRPr lang="en-US"/>
           </a:p>
         </p:txBody>
       </p:sp>
@@ -587,38 +598,37 @@
           <a:p>
             <a:pPr lvl="0"/>
             <a:r>
-              <a:rPr lang="en-US" smtClean="0"/>
+              <a:rPr lang="en-US"/>
               <a:t>Click to edit Master text styles</a:t>
             </a:r>
           </a:p>
           <a:p>
             <a:pPr lvl="1"/>
             <a:r>
-              <a:rPr lang="en-US" smtClean="0"/>
+              <a:rPr lang="en-US"/>
               <a:t>Second level</a:t>
             </a:r>
           </a:p>
           <a:p>
             <a:pPr lvl="2"/>
             <a:r>
-              <a:rPr lang="en-US" smtClean="0"/>
+              <a:rPr lang="en-US"/>
               <a:t>Third level</a:t>
             </a:r>
           </a:p>
           <a:p>
             <a:pPr lvl="3"/>
             <a:r>
-              <a:rPr lang="en-US" smtClean="0"/>
+              <a:rPr lang="en-US"/>
               <a:t>Fourth level</a:t>
             </a:r>
           </a:p>
           <a:p>
             <a:pPr lvl="4"/>
             <a:r>
-              <a:rPr lang="en-US" smtClean="0"/>
+              <a:rPr lang="en-US"/>
               <a:t>Fifth level</a:t>
             </a:r>
-            <a:endParaRPr lang="en-US"/>
           </a:p>
         </p:txBody>
       </p:sp>
@@ -639,7 +649,7 @@
           <a:p>
             <a:fld id="{62EB0FEE-78E5-4793-89B9-7C17C11ADF92}" type="datetimeFigureOut">
               <a:rPr lang="en-US" smtClean="0"/>
-              <a:t>4/18/2015</a:t>
+              <a:t>8/24/2019</a:t>
             </a:fld>
             <a:endParaRPr lang="en-US"/>
           </a:p>
@@ -728,10 +738,9 @@
           <a:lstStyle/>
           <a:p>
             <a:r>
-              <a:rPr lang="en-US" smtClean="0"/>
+              <a:rPr lang="en-US"/>
               <a:t>Click to edit Master title style</a:t>
             </a:r>
-            <a:endParaRPr lang="en-US"/>
           </a:p>
         </p:txBody>
       </p:sp>
@@ -752,38 +761,37 @@
           <a:p>
             <a:pPr lvl="0"/>
             <a:r>
-              <a:rPr lang="en-US" smtClean="0"/>
+              <a:rPr lang="en-US"/>
               <a:t>Click to edit Master text styles</a:t>
             </a:r>
           </a:p>
           <a:p>
             <a:pPr lvl="1"/>
             <a:r>
-              <a:rPr lang="en-US" smtClean="0"/>
+              <a:rPr lang="en-US"/>
               <a:t>Second level</a:t>
             </a:r>
           </a:p>
           <a:p>
             <a:pPr lvl="2"/>
             <a:r>
-              <a:rPr lang="en-US" smtClean="0"/>
+              <a:rPr lang="en-US"/>
               <a:t>Third level</a:t>
             </a:r>
           </a:p>
           <a:p>
             <a:pPr lvl="3"/>
             <a:r>
-              <a:rPr lang="en-US" smtClean="0"/>
+              <a:rPr lang="en-US"/>
               <a:t>Fourth level</a:t>
             </a:r>
           </a:p>
           <a:p>
             <a:pPr lvl="4"/>
             <a:r>
-              <a:rPr lang="en-US" smtClean="0"/>
+              <a:rPr lang="en-US"/>
               <a:t>Fifth level</a:t>
             </a:r>
-            <a:endParaRPr lang="en-US"/>
           </a:p>
         </p:txBody>
       </p:sp>
@@ -804,7 +812,7 @@
           <a:p>
             <a:fld id="{62EB0FEE-78E5-4793-89B9-7C17C11ADF92}" type="datetimeFigureOut">
               <a:rPr lang="en-US" smtClean="0"/>
-              <a:t>4/18/2015</a:t>
+              <a:t>8/24/2019</a:t>
             </a:fld>
             <a:endParaRPr lang="en-US"/>
           </a:p>
@@ -902,10 +910,9 @@
           </a:lstStyle>
           <a:p>
             <a:r>
-              <a:rPr lang="en-US" smtClean="0"/>
+              <a:rPr lang="en-US"/>
               <a:t>Click to edit Master title style</a:t>
             </a:r>
-            <a:endParaRPr lang="en-US"/>
           </a:p>
         </p:txBody>
       </p:sp>
@@ -1022,7 +1029,7 @@
           <a:p>
             <a:pPr lvl="0"/>
             <a:r>
-              <a:rPr lang="en-US" smtClean="0"/>
+              <a:rPr lang="en-US"/>
               <a:t>Click to edit Master text styles</a:t>
             </a:r>
           </a:p>
@@ -1045,7 +1052,7 @@
           <a:p>
             <a:fld id="{62EB0FEE-78E5-4793-89B9-7C17C11ADF92}" type="datetimeFigureOut">
               <a:rPr lang="en-US" smtClean="0"/>
-              <a:t>4/18/2015</a:t>
+              <a:t>8/24/2019</a:t>
             </a:fld>
             <a:endParaRPr lang="en-US"/>
           </a:p>
@@ -1134,10 +1141,9 @@
           <a:lstStyle/>
           <a:p>
             <a:r>
-              <a:rPr lang="en-US" smtClean="0"/>
+              <a:rPr lang="en-US"/>
               <a:t>Click to edit Master title style</a:t>
             </a:r>
-            <a:endParaRPr lang="en-US"/>
           </a:p>
         </p:txBody>
       </p:sp>
@@ -1191,38 +1197,37 @@
           <a:p>
             <a:pPr lvl="0"/>
             <a:r>
-              <a:rPr lang="en-US" smtClean="0"/>
+              <a:rPr lang="en-US"/>
               <a:t>Click to edit Master text styles</a:t>
             </a:r>
           </a:p>
           <a:p>
             <a:pPr lvl="1"/>
             <a:r>
-              <a:rPr lang="en-US" smtClean="0"/>
+              <a:rPr lang="en-US"/>
               <a:t>Second level</a:t>
             </a:r>
           </a:p>
           <a:p>
             <a:pPr lvl="2"/>
             <a:r>
-              <a:rPr lang="en-US" smtClean="0"/>
+              <a:rPr lang="en-US"/>
               <a:t>Third level</a:t>
             </a:r>
           </a:p>
           <a:p>
             <a:pPr lvl="3"/>
             <a:r>
-              <a:rPr lang="en-US" smtClean="0"/>
+              <a:rPr lang="en-US"/>
               <a:t>Fourth level</a:t>
             </a:r>
           </a:p>
           <a:p>
             <a:pPr lvl="4"/>
             <a:r>
-              <a:rPr lang="en-US" smtClean="0"/>
+              <a:rPr lang="en-US"/>
               <a:t>Fifth level</a:t>
             </a:r>
-            <a:endParaRPr lang="en-US"/>
           </a:p>
         </p:txBody>
       </p:sp>
@@ -1276,38 +1281,37 @@
           <a:p>
             <a:pPr lvl="0"/>
             <a:r>
-              <a:rPr lang="en-US" smtClean="0"/>
+              <a:rPr lang="en-US"/>
               <a:t>Click to edit Master text styles</a:t>
             </a:r>
           </a:p>
           <a:p>
             <a:pPr lvl="1"/>
             <a:r>
-              <a:rPr lang="en-US" smtClean="0"/>
+              <a:rPr lang="en-US"/>
               <a:t>Second level</a:t>
             </a:r>
           </a:p>
           <a:p>
             <a:pPr lvl="2"/>
             <a:r>
-              <a:rPr lang="en-US" smtClean="0"/>
+              <a:rPr lang="en-US"/>
               <a:t>Third level</a:t>
             </a:r>
           </a:p>
           <a:p>
             <a:pPr lvl="3"/>
             <a:r>
-              <a:rPr lang="en-US" smtClean="0"/>
+              <a:rPr lang="en-US"/>
               <a:t>Fourth level</a:t>
             </a:r>
           </a:p>
           <a:p>
             <a:pPr lvl="4"/>
             <a:r>
-              <a:rPr lang="en-US" smtClean="0"/>
+              <a:rPr lang="en-US"/>
               <a:t>Fifth level</a:t>
             </a:r>
-            <a:endParaRPr lang="en-US"/>
           </a:p>
         </p:txBody>
       </p:sp>
@@ -1328,7 +1332,7 @@
           <a:p>
             <a:fld id="{62EB0FEE-78E5-4793-89B9-7C17C11ADF92}" type="datetimeFigureOut">
               <a:rPr lang="en-US" smtClean="0"/>
-              <a:t>4/18/2015</a:t>
+              <a:t>8/24/2019</a:t>
             </a:fld>
             <a:endParaRPr lang="en-US"/>
           </a:p>
@@ -1421,10 +1425,9 @@
           </a:lstStyle>
           <a:p>
             <a:r>
-              <a:rPr lang="en-US" smtClean="0"/>
+              <a:rPr lang="en-US"/>
               <a:t>Click to edit Master title style</a:t>
             </a:r>
-            <a:endParaRPr lang="en-US"/>
           </a:p>
         </p:txBody>
       </p:sp>
@@ -1487,7 +1490,7 @@
           <a:p>
             <a:pPr lvl="0"/>
             <a:r>
-              <a:rPr lang="en-US" smtClean="0"/>
+              <a:rPr lang="en-US"/>
               <a:t>Click to edit Master text styles</a:t>
             </a:r>
           </a:p>
@@ -1543,38 +1546,37 @@
           <a:p>
             <a:pPr lvl="0"/>
             <a:r>
-              <a:rPr lang="en-US" smtClean="0"/>
+              <a:rPr lang="en-US"/>
               <a:t>Click to edit Master text styles</a:t>
             </a:r>
           </a:p>
           <a:p>
             <a:pPr lvl="1"/>
             <a:r>
-              <a:rPr lang="en-US" smtClean="0"/>
+              <a:rPr lang="en-US"/>
               <a:t>Second level</a:t>
             </a:r>
           </a:p>
           <a:p>
             <a:pPr lvl="2"/>
             <a:r>
-              <a:rPr lang="en-US" smtClean="0"/>
+              <a:rPr lang="en-US"/>
               <a:t>Third level</a:t>
             </a:r>
           </a:p>
           <a:p>
             <a:pPr lvl="3"/>
             <a:r>
-              <a:rPr lang="en-US" smtClean="0"/>
+              <a:rPr lang="en-US"/>
               <a:t>Fourth level</a:t>
             </a:r>
           </a:p>
           <a:p>
             <a:pPr lvl="4"/>
             <a:r>
-              <a:rPr lang="en-US" smtClean="0"/>
+              <a:rPr lang="en-US"/>
               <a:t>Fifth level</a:t>
             </a:r>
-            <a:endParaRPr lang="en-US"/>
           </a:p>
         </p:txBody>
       </p:sp>
@@ -1637,7 +1639,7 @@
           <a:p>
             <a:pPr lvl="0"/>
             <a:r>
-              <a:rPr lang="en-US" smtClean="0"/>
+              <a:rPr lang="en-US"/>
               <a:t>Click to edit Master text styles</a:t>
             </a:r>
           </a:p>
@@ -1693,38 +1695,37 @@
           <a:p>
             <a:pPr lvl="0"/>
             <a:r>
-              <a:rPr lang="en-US" smtClean="0"/>
+              <a:rPr lang="en-US"/>
               <a:t>Click to edit Master text styles</a:t>
             </a:r>
           </a:p>
           <a:p>
             <a:pPr lvl="1"/>
             <a:r>
-              <a:rPr lang="en-US" smtClean="0"/>
+              <a:rPr lang="en-US"/>
               <a:t>Second level</a:t>
             </a:r>
           </a:p>
           <a:p>
             <a:pPr lvl="2"/>
             <a:r>
-              <a:rPr lang="en-US" smtClean="0"/>
+              <a:rPr lang="en-US"/>
               <a:t>Third level</a:t>
             </a:r>
           </a:p>
           <a:p>
             <a:pPr lvl="3"/>
             <a:r>
-              <a:rPr lang="en-US" smtClean="0"/>
+              <a:rPr lang="en-US"/>
               <a:t>Fourth level</a:t>
             </a:r>
           </a:p>
           <a:p>
             <a:pPr lvl="4"/>
             <a:r>
-              <a:rPr lang="en-US" smtClean="0"/>
+              <a:rPr lang="en-US"/>
               <a:t>Fifth level</a:t>
             </a:r>
-            <a:endParaRPr lang="en-US"/>
           </a:p>
         </p:txBody>
       </p:sp>
@@ -1745,7 +1746,7 @@
           <a:p>
             <a:fld id="{62EB0FEE-78E5-4793-89B9-7C17C11ADF92}" type="datetimeFigureOut">
               <a:rPr lang="en-US" smtClean="0"/>
-              <a:t>4/18/2015</a:t>
+              <a:t>8/24/2019</a:t>
             </a:fld>
             <a:endParaRPr lang="en-US"/>
           </a:p>
@@ -1834,10 +1835,9 @@
           <a:lstStyle/>
           <a:p>
             <a:r>
-              <a:rPr lang="en-US" smtClean="0"/>
+              <a:rPr lang="en-US"/>
               <a:t>Click to edit Master title style</a:t>
             </a:r>
-            <a:endParaRPr lang="en-US"/>
           </a:p>
         </p:txBody>
       </p:sp>
@@ -1858,7 +1858,7 @@
           <a:p>
             <a:fld id="{62EB0FEE-78E5-4793-89B9-7C17C11ADF92}" type="datetimeFigureOut">
               <a:rPr lang="en-US" smtClean="0"/>
-              <a:t>4/18/2015</a:t>
+              <a:t>8/24/2019</a:t>
             </a:fld>
             <a:endParaRPr lang="en-US"/>
           </a:p>
@@ -1948,7 +1948,7 @@
           <a:p>
             <a:fld id="{62EB0FEE-78E5-4793-89B9-7C17C11ADF92}" type="datetimeFigureOut">
               <a:rPr lang="en-US" smtClean="0"/>
-              <a:t>4/18/2015</a:t>
+              <a:t>8/24/2019</a:t>
             </a:fld>
             <a:endParaRPr lang="en-US"/>
           </a:p>
@@ -2046,10 +2046,9 @@
           </a:lstStyle>
           <a:p>
             <a:r>
-              <a:rPr lang="en-US" smtClean="0"/>
+              <a:rPr lang="en-US"/>
               <a:t>Click to edit Master title style</a:t>
             </a:r>
-            <a:endParaRPr lang="en-US"/>
           </a:p>
         </p:txBody>
       </p:sp>
@@ -2103,38 +2102,37 @@
           <a:p>
             <a:pPr lvl="0"/>
             <a:r>
-              <a:rPr lang="en-US" smtClean="0"/>
+              <a:rPr lang="en-US"/>
               <a:t>Click to edit Master text styles</a:t>
             </a:r>
           </a:p>
           <a:p>
             <a:pPr lvl="1"/>
             <a:r>
-              <a:rPr lang="en-US" smtClean="0"/>
+              <a:rPr lang="en-US"/>
               <a:t>Second level</a:t>
             </a:r>
           </a:p>
           <a:p>
             <a:pPr lvl="2"/>
             <a:r>
-              <a:rPr lang="en-US" smtClean="0"/>
+              <a:rPr lang="en-US"/>
               <a:t>Third level</a:t>
             </a:r>
           </a:p>
           <a:p>
             <a:pPr lvl="3"/>
             <a:r>
-              <a:rPr lang="en-US" smtClean="0"/>
+              <a:rPr lang="en-US"/>
               <a:t>Fourth level</a:t>
             </a:r>
           </a:p>
           <a:p>
             <a:pPr lvl="4"/>
             <a:r>
-              <a:rPr lang="en-US" smtClean="0"/>
+              <a:rPr lang="en-US"/>
               <a:t>Fifth level</a:t>
             </a:r>
-            <a:endParaRPr lang="en-US"/>
           </a:p>
         </p:txBody>
       </p:sp>
@@ -2197,7 +2195,7 @@
           <a:p>
             <a:pPr lvl="0"/>
             <a:r>
-              <a:rPr lang="en-US" smtClean="0"/>
+              <a:rPr lang="en-US"/>
               <a:t>Click to edit Master text styles</a:t>
             </a:r>
           </a:p>
@@ -2220,7 +2218,7 @@
           <a:p>
             <a:fld id="{62EB0FEE-78E5-4793-89B9-7C17C11ADF92}" type="datetimeFigureOut">
               <a:rPr lang="en-US" smtClean="0"/>
-              <a:t>4/18/2015</a:t>
+              <a:t>8/24/2019</a:t>
             </a:fld>
             <a:endParaRPr lang="en-US"/>
           </a:p>
@@ -2318,10 +2316,9 @@
           </a:lstStyle>
           <a:p>
             <a:r>
-              <a:rPr lang="en-US" smtClean="0"/>
+              <a:rPr lang="en-US"/>
               <a:t>Click to edit Master title style</a:t>
             </a:r>
-            <a:endParaRPr lang="en-US"/>
           </a:p>
         </p:txBody>
       </p:sp>
@@ -2445,7 +2442,7 @@
           <a:p>
             <a:pPr lvl="0"/>
             <a:r>
-              <a:rPr lang="en-US" smtClean="0"/>
+              <a:rPr lang="en-US"/>
               <a:t>Click to edit Master text styles</a:t>
             </a:r>
           </a:p>
@@ -2468,7 +2465,7 @@
           <a:p>
             <a:fld id="{62EB0FEE-78E5-4793-89B9-7C17C11ADF92}" type="datetimeFigureOut">
               <a:rPr lang="en-US" smtClean="0"/>
-              <a:t>4/18/2015</a:t>
+              <a:t>8/24/2019</a:t>
             </a:fld>
             <a:endParaRPr lang="en-US"/>
           </a:p>
@@ -2572,10 +2569,9 @@
           <a:lstStyle/>
           <a:p>
             <a:r>
-              <a:rPr lang="en-US" smtClean="0"/>
+              <a:rPr lang="en-US"/>
               <a:t>Click to edit Master title style</a:t>
             </a:r>
-            <a:endParaRPr lang="en-US"/>
           </a:p>
         </p:txBody>
       </p:sp>
@@ -2606,38 +2602,37 @@
           <a:p>
             <a:pPr lvl="0"/>
             <a:r>
-              <a:rPr lang="en-US" smtClean="0"/>
+              <a:rPr lang="en-US"/>
               <a:t>Click to edit Master text styles</a:t>
             </a:r>
           </a:p>
           <a:p>
             <a:pPr lvl="1"/>
             <a:r>
-              <a:rPr lang="en-US" smtClean="0"/>
+              <a:rPr lang="en-US"/>
               <a:t>Second level</a:t>
             </a:r>
           </a:p>
           <a:p>
             <a:pPr lvl="2"/>
             <a:r>
-              <a:rPr lang="en-US" smtClean="0"/>
+              <a:rPr lang="en-US"/>
               <a:t>Third level</a:t>
             </a:r>
           </a:p>
           <a:p>
             <a:pPr lvl="3"/>
             <a:r>
-              <a:rPr lang="en-US" smtClean="0"/>
+              <a:rPr lang="en-US"/>
               <a:t>Fourth level</a:t>
             </a:r>
           </a:p>
           <a:p>
             <a:pPr lvl="4"/>
             <a:r>
-              <a:rPr lang="en-US" smtClean="0"/>
+              <a:rPr lang="en-US"/>
               <a:t>Fifth level</a:t>
             </a:r>
-            <a:endParaRPr lang="en-US"/>
           </a:p>
         </p:txBody>
       </p:sp>
@@ -2676,7 +2671,7 @@
           <a:p>
             <a:fld id="{62EB0FEE-78E5-4793-89B9-7C17C11ADF92}" type="datetimeFigureOut">
               <a:rPr lang="en-US" smtClean="0"/>
-              <a:t>4/18/2015</a:t>
+              <a:t>8/24/2019</a:t>
             </a:fld>
             <a:endParaRPr lang="en-US"/>
           </a:p>
@@ -3062,10 +3057,9 @@
           <a:lstStyle/>
           <a:p>
             <a:r>
-              <a:rPr lang="en-US" dirty="0" smtClean="0"/>
-              <a:t>Moving Rainbow Artwork Ideas</a:t>
-            </a:r>
-            <a:endParaRPr lang="en-US" dirty="0"/>
+              <a:rPr lang="en-US" dirty="0"/>
+              <a:t>Moving Rainbow</a:t>
+            </a:r>
           </a:p>
         </p:txBody>
       </p:sp>
@@ -3410,10 +3404,9 @@
           <a:lstStyle/>
           <a:p>
             <a:r>
-              <a:rPr lang="en-US" dirty="0" smtClean="0"/>
+              <a:rPr lang="en-US" dirty="0"/>
               <a:t>How can I talk to them all with one wire?</a:t>
             </a:r>
-            <a:endParaRPr lang="en-US" dirty="0"/>
           </a:p>
         </p:txBody>
       </p:sp>
@@ -3684,10 +3677,9 @@
           <a:p>
             <a:pPr algn="ctr"/>
             <a:r>
-              <a:rPr lang="en-US" dirty="0" smtClean="0"/>
+              <a:rPr lang="en-US" dirty="0"/>
               <a:t>36 LEDs with one wire?  Really!</a:t>
             </a:r>
-            <a:endParaRPr lang="en-US" dirty="0"/>
           </a:p>
         </p:txBody>
       </p:sp>
@@ -4140,10 +4132,9 @@
           <a:lstStyle/>
           <a:p>
             <a:r>
-              <a:rPr lang="en-US" dirty="0" smtClean="0"/>
+              <a:rPr lang="en-US" dirty="0"/>
               <a:t>+5</a:t>
             </a:r>
-            <a:endParaRPr lang="en-US" dirty="0"/>
           </a:p>
         </p:txBody>
       </p:sp>
@@ -4170,14 +4161,11 @@
           <a:lstStyle/>
           <a:p>
             <a:r>
-              <a:rPr lang="en-US" sz="1400" b="1" dirty="0" smtClean="0">
+              <a:rPr lang="en-US" sz="1400" b="1" dirty="0">
                 <a:latin typeface="Arial Narrow" pitchFamily="34" charset="0"/>
               </a:rPr>
               <a:t>GND</a:t>
             </a:r>
-            <a:endParaRPr lang="en-US" sz="1400" b="1" dirty="0">
-              <a:latin typeface="Arial Narrow" pitchFamily="34" charset="0"/>
-            </a:endParaRPr>
           </a:p>
         </p:txBody>
       </p:sp>
@@ -4205,7 +4193,7 @@
           <a:p>
             <a:pPr algn="ctr"/>
             <a:r>
-              <a:rPr lang="en-US" sz="1200" b="1" dirty="0" smtClean="0">
+              <a:rPr lang="en-US" sz="1200" b="1" dirty="0">
                 <a:latin typeface="Arial Narrow" pitchFamily="34" charset="0"/>
               </a:rPr>
               <a:t>Data</a:t>
@@ -4214,14 +4202,11 @@
           <a:p>
             <a:pPr algn="ctr"/>
             <a:r>
-              <a:rPr lang="en-US" sz="1200" b="1" dirty="0" smtClean="0">
+              <a:rPr lang="en-US" sz="1200" b="1" dirty="0">
                 <a:latin typeface="Arial Narrow" pitchFamily="34" charset="0"/>
               </a:rPr>
               <a:t>In</a:t>
             </a:r>
-            <a:endParaRPr lang="en-US" sz="1200" b="1" dirty="0">
-              <a:latin typeface="Arial Narrow" pitchFamily="34" charset="0"/>
-            </a:endParaRPr>
           </a:p>
         </p:txBody>
       </p:sp>
@@ -4249,7 +4234,7 @@
           <a:p>
             <a:pPr algn="ctr"/>
             <a:r>
-              <a:rPr lang="en-US" sz="1200" b="1" dirty="0" smtClean="0">
+              <a:rPr lang="en-US" sz="1200" b="1" dirty="0">
                 <a:latin typeface="Arial Narrow" pitchFamily="34" charset="0"/>
               </a:rPr>
               <a:t>Data</a:t>
@@ -4258,14 +4243,11 @@
           <a:p>
             <a:pPr algn="ctr"/>
             <a:r>
-              <a:rPr lang="en-US" sz="1200" b="1" dirty="0" smtClean="0">
+              <a:rPr lang="en-US" sz="1200" b="1" dirty="0">
                 <a:latin typeface="Arial Narrow" pitchFamily="34" charset="0"/>
               </a:rPr>
               <a:t>Out</a:t>
             </a:r>
-            <a:endParaRPr lang="en-US" sz="1200" b="1" dirty="0">
-              <a:latin typeface="Arial Narrow" pitchFamily="34" charset="0"/>
-            </a:endParaRPr>
           </a:p>
         </p:txBody>
       </p:sp>
@@ -4418,10 +4400,9 @@
           <a:lstStyle/>
           <a:p>
             <a:r>
-              <a:rPr lang="en-US" dirty="0" smtClean="0"/>
+              <a:rPr lang="en-US" dirty="0"/>
               <a:t>Blink</a:t>
             </a:r>
-            <a:endParaRPr lang="en-US" dirty="0"/>
           </a:p>
         </p:txBody>
       </p:sp>
@@ -4446,10 +4427,9 @@
           <a:lstStyle/>
           <a:p>
             <a:r>
-              <a:rPr lang="en-US" dirty="0" smtClean="0"/>
+              <a:rPr lang="en-US" dirty="0"/>
               <a:t>Make the first pixel go on and off</a:t>
             </a:r>
-            <a:endParaRPr lang="en-US" dirty="0"/>
           </a:p>
         </p:txBody>
       </p:sp>
@@ -4494,10 +4474,9 @@
           <a:lstStyle/>
           <a:p>
             <a:r>
-              <a:rPr lang="en-US" dirty="0" smtClean="0"/>
+              <a:rPr lang="en-US" dirty="0"/>
               <a:t>Moving Rainbow Logo</a:t>
             </a:r>
-            <a:endParaRPr lang="en-US" dirty="0"/>
           </a:p>
         </p:txBody>
       </p:sp>
@@ -4524,22 +4503,21 @@
           <a:lstStyle/>
           <a:p>
             <a:r>
-              <a:rPr lang="en-US" dirty="0" smtClean="0"/>
+              <a:rPr lang="en-US" dirty="0"/>
               <a:t>A rainbow that is moving </a:t>
             </a:r>
           </a:p>
           <a:p>
             <a:r>
-              <a:rPr lang="en-US" dirty="0" smtClean="0"/>
+              <a:rPr lang="en-US" dirty="0"/>
               <a:t>with "motion lines"</a:t>
             </a:r>
           </a:p>
           <a:p>
             <a:r>
-              <a:rPr lang="en-US" dirty="0" smtClean="0"/>
+              <a:rPr lang="en-US" dirty="0"/>
               <a:t>Stick to the true color order (red, orange, yellow, green, blue, indigo, violet)</a:t>
             </a:r>
-            <a:endParaRPr lang="en-US" dirty="0"/>
           </a:p>
         </p:txBody>
       </p:sp>
@@ -5087,14 +5065,15 @@
         </p:nvSpPr>
         <p:spPr/>
         <p:txBody>
-          <a:bodyPr/>
-          <a:lstStyle/>
-          <a:p>
-            <a:r>
-              <a:rPr lang="en-US" dirty="0" smtClean="0"/>
-              <a:t>Core Principals</a:t>
-            </a:r>
-            <a:endParaRPr lang="en-US" dirty="0"/>
+          <a:bodyPr>
+            <a:normAutofit/>
+          </a:bodyPr>
+          <a:lstStyle/>
+          <a:p>
+            <a:r>
+              <a:rPr lang="en-US" dirty="0"/>
+              <a:t>The Project-Social-Mentor Model</a:t>
+            </a:r>
           </a:p>
         </p:txBody>
       </p:sp>
@@ -5110,24 +5089,100 @@
         </p:nvSpPr>
         <p:spPr>
           <a:xfrm>
-            <a:off x="457200" y="3352800"/>
+            <a:off x="457200" y="1828800"/>
             <a:ext cx="8229600" cy="2773363"/>
           </a:xfrm>
         </p:spPr>
         <p:txBody>
-          <a:bodyPr/>
-          <a:lstStyle/>
-          <a:p>
-            <a:r>
-              <a:rPr lang="en-US" dirty="0" smtClean="0"/>
-              <a:t>Color, Motion, Social</a:t>
-            </a:r>
-          </a:p>
-          <a:p>
-            <a:r>
-              <a:rPr lang="en-US" dirty="0" smtClean="0"/>
-              <a:t>Ideas – kids in a group around a kit with color and motion</a:t>
-            </a:r>
+          <a:bodyPr>
+            <a:normAutofit fontScale="55000" lnSpcReduction="20000"/>
+          </a:bodyPr>
+          <a:lstStyle/>
+          <a:p>
+            <a:r>
+              <a:rPr lang="en-US" b="1" dirty="0"/>
+              <a:t>Project</a:t>
+            </a:r>
+            <a:r>
+              <a:rPr lang="en-US" dirty="0"/>
+              <a:t> based learning</a:t>
+            </a:r>
+          </a:p>
+          <a:p>
+            <a:pPr lvl="1"/>
+            <a:r>
+              <a:rPr lang="en-US" dirty="0"/>
+              <a:t>Where students bring </a:t>
+            </a:r>
+            <a:r>
+              <a:rPr lang="en-US" b="1" dirty="0"/>
+              <a:t>their</a:t>
+            </a:r>
+            <a:r>
+              <a:rPr lang="en-US" dirty="0"/>
+              <a:t> ideas</a:t>
+            </a:r>
+          </a:p>
+          <a:p>
+            <a:pPr lvl="1"/>
+            <a:r>
+              <a:rPr lang="en-US" dirty="0"/>
+              <a:t>Fun projects for everyone</a:t>
+            </a:r>
+          </a:p>
+          <a:p>
+            <a:pPr lvl="2"/>
+            <a:r>
+              <a:rPr lang="en-US" dirty="0"/>
+              <a:t>Color, motion, costumes, art, robots</a:t>
+            </a:r>
+          </a:p>
+          <a:p>
+            <a:pPr lvl="2"/>
+            <a:r>
+              <a:rPr lang="en-US" dirty="0"/>
+              <a:t>No big intimidating textbooks</a:t>
+            </a:r>
+          </a:p>
+          <a:p>
+            <a:pPr lvl="2"/>
+            <a:r>
+              <a:rPr lang="en-US" dirty="0"/>
+              <a:t>Agile jump in anywhere</a:t>
+            </a:r>
+          </a:p>
+          <a:p>
+            <a:r>
+              <a:rPr lang="en-US" b="1" dirty="0"/>
+              <a:t>Social</a:t>
+            </a:r>
+            <a:r>
+              <a:rPr lang="en-US" dirty="0"/>
+              <a:t> learning</a:t>
+            </a:r>
+          </a:p>
+          <a:p>
+            <a:pPr lvl="1"/>
+            <a:r>
+              <a:rPr lang="en-US" dirty="0"/>
+              <a:t>Students work together with peers and share idea</a:t>
+            </a:r>
+          </a:p>
+          <a:p>
+            <a:r>
+              <a:rPr lang="en-US" b="1" dirty="0"/>
+              <a:t>Mentoring</a:t>
+            </a:r>
+          </a:p>
+          <a:p>
+            <a:pPr lvl="1"/>
+            <a:r>
+              <a:rPr lang="en-US" dirty="0"/>
+              <a:t>Students that have two hours every other week of mentoring don’t get frustrated and keep </a:t>
+            </a:r>
+          </a:p>
+          <a:p>
+            <a:pPr lvl="1"/>
             <a:endParaRPr lang="en-US" dirty="0"/>
           </a:p>
         </p:txBody>
@@ -5173,10 +5228,9 @@
           <a:lstStyle/>
           <a:p>
             <a:r>
-              <a:rPr lang="en-US" dirty="0" smtClean="0"/>
+              <a:rPr lang="en-US" dirty="0"/>
               <a:t>Computer Science</a:t>
             </a:r>
-            <a:endParaRPr lang="en-US" dirty="0"/>
           </a:p>
         </p:txBody>
       </p:sp>
@@ -5201,10 +5255,9 @@
           <a:lstStyle/>
           <a:p>
             <a:r>
-              <a:rPr lang="en-US" dirty="0" smtClean="0"/>
+              <a:rPr lang="en-US" dirty="0"/>
               <a:t>Kids surrounded by the wonders of computers</a:t>
             </a:r>
-            <a:endParaRPr lang="en-US" dirty="0"/>
           </a:p>
         </p:txBody>
       </p:sp>
@@ -5242,58 +5295,53 @@
           <a:lstStyle/>
           <a:p>
             <a:r>
-              <a:rPr lang="en-US" dirty="0" smtClean="0"/>
+              <a:rPr lang="en-US" dirty="0"/>
               <a:t> for (</a:t>
             </a:r>
             <a:r>
-              <a:rPr lang="en-US" dirty="0" err="1" smtClean="0"/>
+              <a:rPr lang="en-US" dirty="0" err="1"/>
               <a:t>i</a:t>
             </a:r>
             <a:r>
-              <a:rPr lang="en-US" dirty="0" smtClean="0"/>
+              <a:rPr lang="en-US" dirty="0"/>
               <a:t>=0; </a:t>
             </a:r>
             <a:r>
-              <a:rPr lang="en-US" dirty="0" err="1" smtClean="0"/>
+              <a:rPr lang="en-US" dirty="0" err="1"/>
               <a:t>i</a:t>
             </a:r>
             <a:r>
-              <a:rPr lang="en-US" dirty="0" smtClean="0"/>
+              <a:rPr lang="en-US" dirty="0"/>
               <a:t>&lt;12;i++) {</a:t>
             </a:r>
           </a:p>
           <a:p>
             <a:r>
               <a:rPr lang="en-US" dirty="0"/>
-              <a:t> </a:t>
-            </a:r>
-            <a:r>
-              <a:rPr lang="en-US" dirty="0" smtClean="0"/>
-              <a:t>  </a:t>
-            </a:r>
-            <a:r>
-              <a:rPr lang="en-US" dirty="0" err="1" smtClean="0"/>
+              <a:t>   </a:t>
+            </a:r>
+            <a:r>
+              <a:rPr lang="en-US" dirty="0" err="1"/>
               <a:t>setColor</a:t>
             </a:r>
             <a:r>
-              <a:rPr lang="en-US" dirty="0" smtClean="0"/>
+              <a:rPr lang="en-US" dirty="0"/>
               <a:t>(</a:t>
             </a:r>
             <a:r>
-              <a:rPr lang="en-US" dirty="0" err="1" smtClean="0"/>
+              <a:rPr lang="en-US" dirty="0" err="1"/>
               <a:t>i</a:t>
             </a:r>
             <a:r>
-              <a:rPr lang="en-US" dirty="0" smtClean="0"/>
+              <a:rPr lang="en-US" dirty="0"/>
               <a:t>, red, green, blue)</a:t>
             </a:r>
           </a:p>
           <a:p>
             <a:r>
-              <a:rPr lang="en-US" dirty="0" smtClean="0"/>
+              <a:rPr lang="en-US" dirty="0"/>
               <a:t>}  </a:t>
             </a:r>
-            <a:endParaRPr lang="en-US" dirty="0"/>
           </a:p>
         </p:txBody>
       </p:sp>
@@ -5324,10 +5372,9 @@
           <a:p>
             <a:pPr algn="ctr"/>
             <a:r>
-              <a:rPr lang="en-US" dirty="0" smtClean="0"/>
+              <a:rPr lang="en-US" dirty="0"/>
               <a:t> variables</a:t>
             </a:r>
-            <a:endParaRPr lang="en-US" dirty="0"/>
           </a:p>
         </p:txBody>
       </p:sp>
@@ -5358,10 +5405,9 @@
           <a:p>
             <a:pPr algn="ctr"/>
             <a:r>
-              <a:rPr lang="en-US" dirty="0" smtClean="0"/>
+              <a:rPr lang="en-US" dirty="0"/>
               <a:t> testing</a:t>
             </a:r>
-            <a:endParaRPr lang="en-US" dirty="0"/>
           </a:p>
         </p:txBody>
       </p:sp>
@@ -5392,10 +5438,9 @@
           <a:p>
             <a:pPr algn="ctr"/>
             <a:r>
-              <a:rPr lang="en-US" dirty="0" smtClean="0"/>
+              <a:rPr lang="en-US" dirty="0"/>
               <a:t> setup()</a:t>
             </a:r>
-            <a:endParaRPr lang="en-US" dirty="0"/>
           </a:p>
         </p:txBody>
       </p:sp>
@@ -5426,10 +5471,9 @@
           <a:p>
             <a:pPr algn="ctr"/>
             <a:r>
-              <a:rPr lang="en-US" dirty="0" smtClean="0"/>
+              <a:rPr lang="en-US" dirty="0"/>
               <a:t> loop()</a:t>
             </a:r>
-            <a:endParaRPr lang="en-US" dirty="0"/>
           </a:p>
         </p:txBody>
       </p:sp>
@@ -5460,10 +5504,9 @@
           <a:p>
             <a:pPr algn="ctr"/>
             <a:r>
-              <a:rPr lang="en-US" dirty="0" smtClean="0"/>
+              <a:rPr lang="en-US" dirty="0"/>
               <a:t>functions</a:t>
             </a:r>
-            <a:endParaRPr lang="en-US" dirty="0"/>
           </a:p>
         </p:txBody>
       </p:sp>
@@ -5494,10 +5537,9 @@
           <a:p>
             <a:pPr algn="ctr"/>
             <a:r>
-              <a:rPr lang="en-US" dirty="0" smtClean="0"/>
+              <a:rPr lang="en-US" dirty="0"/>
               <a:t> debugging</a:t>
             </a:r>
-            <a:endParaRPr lang="en-US" dirty="0"/>
           </a:p>
         </p:txBody>
       </p:sp>
@@ -6145,16 +6187,22 @@
             <p:ph type="title"/>
           </p:nvPr>
         </p:nvSpPr>
-        <p:spPr/>
-        <p:txBody>
-          <a:bodyPr/>
-          <a:lstStyle/>
-          <a:p>
-            <a:r>
-              <a:rPr lang="en-US" dirty="0" smtClean="0"/>
-              <a:t>Fear to in Control</a:t>
-            </a:r>
-            <a:endParaRPr lang="en-US" dirty="0"/>
+        <p:spPr>
+          <a:xfrm>
+            <a:off x="457200" y="274638"/>
+            <a:ext cx="8229600" cy="563562"/>
+          </a:xfrm>
+        </p:spPr>
+        <p:txBody>
+          <a:bodyPr>
+            <a:normAutofit fontScale="90000"/>
+          </a:bodyPr>
+          <a:lstStyle/>
+          <a:p>
+            <a:r>
+              <a:rPr lang="en-US" dirty="0"/>
+              <a:t>Afraid to start</a:t>
+            </a:r>
           </a:p>
         </p:txBody>
       </p:sp>
@@ -6179,10 +6227,17 @@
           <a:lstStyle/>
           <a:p>
             <a:r>
-              <a:rPr lang="en-US" dirty="0" smtClean="0"/>
-              <a:t>By breaking problems down into smaller parts we can concur large tasks</a:t>
-            </a:r>
-            <a:endParaRPr lang="en-US" dirty="0"/>
+              <a:rPr lang="en-US" dirty="0"/>
+              <a:t>By breaking problems down into smaller parts we can </a:t>
+            </a:r>
+            <a:r>
+              <a:rPr lang="en-US" dirty="0" err="1"/>
+              <a:t>concer</a:t>
+            </a:r>
+            <a:r>
+              <a:rPr lang="en-US" dirty="0"/>
+              <a:t> large tasks</a:t>
+            </a:r>
           </a:p>
         </p:txBody>
       </p:sp>
@@ -6429,17 +6484,16 @@
           <a:p>
             <a:pPr algn="ctr"/>
             <a:r>
-              <a:rPr lang="en-US" dirty="0" smtClean="0"/>
+              <a:rPr lang="en-US" dirty="0"/>
               <a:t>So complicated!</a:t>
             </a:r>
           </a:p>
           <a:p>
             <a:pPr algn="ctr"/>
             <a:r>
-              <a:rPr lang="en-US" dirty="0" smtClean="0"/>
+              <a:rPr lang="en-US" dirty="0"/>
               <a:t>Where do I start?</a:t>
             </a:r>
-            <a:endParaRPr lang="en-US" dirty="0"/>
           </a:p>
         </p:txBody>
       </p:sp>
@@ -6483,10 +6537,9 @@
           <a:p>
             <a:pPr algn="ctr"/>
             <a:r>
-              <a:rPr lang="en-US" dirty="0" smtClean="0"/>
+              <a:rPr lang="en-US" dirty="0"/>
               <a:t>Hey, this is not as hard as I thought!</a:t>
             </a:r>
-            <a:endParaRPr lang="en-US" dirty="0"/>
           </a:p>
         </p:txBody>
       </p:sp>
@@ -6774,10 +6827,9 @@
           <a:lstStyle/>
           <a:p>
             <a:r>
-              <a:rPr lang="en-US" dirty="0" smtClean="0"/>
+              <a:rPr lang="en-US" dirty="0"/>
               <a:t>Getting Started</a:t>
             </a:r>
-            <a:endParaRPr lang="en-US" dirty="0"/>
           </a:p>
         </p:txBody>
       </p:sp>
@@ -6802,13 +6854,13 @@
           <a:lstStyle/>
           <a:p>
             <a:r>
-              <a:rPr lang="en-US" dirty="0" smtClean="0"/>
+              <a:rPr lang="en-US" dirty="0"/>
               <a:t>Integrated Development Environment</a:t>
             </a:r>
           </a:p>
           <a:p>
             <a:r>
-              <a:rPr lang="en-US" dirty="0" smtClean="0"/>
+              <a:rPr lang="en-US" dirty="0"/>
               <a:t>Finding a Program, Editing, Compiling, Uploading, Debugging, Saving</a:t>
             </a:r>
           </a:p>
@@ -7060,10 +7112,9 @@
           <a:p>
             <a:pPr algn="ctr"/>
             <a:r>
-              <a:rPr lang="en-US" dirty="0" smtClean="0"/>
+              <a:rPr lang="en-US" dirty="0"/>
               <a:t>What is an IDE?</a:t>
             </a:r>
-            <a:endParaRPr lang="en-US" dirty="0"/>
           </a:p>
         </p:txBody>
       </p:sp>
@@ -7310,10 +7361,9 @@
           <a:p>
             <a:pPr algn="ctr"/>
             <a:r>
-              <a:rPr lang="en-US" dirty="0" smtClean="0"/>
+              <a:rPr lang="en-US" dirty="0"/>
               <a:t>You mean it  does all that in one program?</a:t>
             </a:r>
-            <a:endParaRPr lang="en-US" dirty="0"/>
           </a:p>
         </p:txBody>
       </p:sp>
@@ -7358,10 +7408,9 @@
           <a:lstStyle/>
           <a:p>
             <a:r>
-              <a:rPr lang="en-US" dirty="0" smtClean="0"/>
+              <a:rPr lang="en-US" dirty="0"/>
               <a:t>Safety</a:t>
             </a:r>
-            <a:endParaRPr lang="en-US" dirty="0"/>
           </a:p>
         </p:txBody>
       </p:sp>
@@ -7388,25 +7437,25 @@
           <a:lstStyle/>
           <a:p>
             <a:r>
-              <a:rPr lang="en-US" dirty="0" smtClean="0"/>
+              <a:rPr lang="en-US" dirty="0"/>
               <a:t>Some basic does and don'ts</a:t>
             </a:r>
           </a:p>
           <a:p>
             <a:r>
-              <a:rPr lang="en-US" dirty="0" smtClean="0"/>
+              <a:rPr lang="en-US" dirty="0"/>
               <a:t>Be careful to avoid short circuits</a:t>
             </a:r>
           </a:p>
           <a:p>
             <a:r>
-              <a:rPr lang="en-US" dirty="0" smtClean="0"/>
+              <a:rPr lang="en-US" dirty="0"/>
               <a:t>Don't connect the +5 directly to ground</a:t>
             </a:r>
           </a:p>
           <a:p>
             <a:r>
-              <a:rPr lang="en-US" dirty="0" smtClean="0"/>
+              <a:rPr lang="en-US" dirty="0"/>
               <a:t>Don't make arbitrary connections</a:t>
             </a:r>
           </a:p>
@@ -7658,10 +7707,9 @@
           <a:p>
             <a:pPr algn="ctr"/>
             <a:r>
-              <a:rPr lang="en-US" dirty="0" smtClean="0"/>
+              <a:rPr lang="en-US" dirty="0"/>
               <a:t>Will I blow this up?</a:t>
             </a:r>
-            <a:endParaRPr lang="en-US" dirty="0"/>
           </a:p>
         </p:txBody>
       </p:sp>
@@ -7706,10 +7754,9 @@
           <a:lstStyle/>
           <a:p>
             <a:r>
-              <a:rPr lang="en-US" dirty="0" smtClean="0"/>
+              <a:rPr lang="en-US" dirty="0"/>
               <a:t>Circuits Basics</a:t>
             </a:r>
-            <a:endParaRPr lang="en-US" dirty="0"/>
           </a:p>
         </p:txBody>
       </p:sp>
@@ -7980,10 +8027,9 @@
           <a:p>
             <a:pPr algn="ctr"/>
             <a:r>
-              <a:rPr lang="en-US" dirty="0" smtClean="0"/>
+              <a:rPr lang="en-US" dirty="0"/>
               <a:t>So what is voltage?</a:t>
             </a:r>
-            <a:endParaRPr lang="en-US" dirty="0"/>
           </a:p>
         </p:txBody>
       </p:sp>
@@ -8028,10 +8074,9 @@
           <a:lstStyle/>
           <a:p>
             <a:r>
-              <a:rPr lang="en-US" dirty="0" smtClean="0"/>
+              <a:rPr lang="en-US" dirty="0"/>
               <a:t>What is an LED?</a:t>
             </a:r>
-            <a:endParaRPr lang="en-US" dirty="0"/>
           </a:p>
         </p:txBody>
       </p:sp>
@@ -8056,16 +8101,15 @@
           <a:lstStyle/>
           <a:p>
             <a:r>
-              <a:rPr lang="en-US" dirty="0" smtClean="0"/>
+              <a:rPr lang="en-US" dirty="0"/>
               <a:t>Positive and Negative</a:t>
             </a:r>
           </a:p>
           <a:p>
             <a:r>
-              <a:rPr lang="en-US" dirty="0" smtClean="0"/>
+              <a:rPr lang="en-US" dirty="0"/>
               <a:t>Anode and Cathode</a:t>
             </a:r>
-            <a:endParaRPr lang="en-US" dirty="0"/>
           </a:p>
         </p:txBody>
       </p:sp>
@@ -8312,10 +8356,9 @@
           <a:p>
             <a:pPr algn="ctr"/>
             <a:r>
-              <a:rPr lang="en-US" dirty="0" smtClean="0"/>
+              <a:rPr lang="en-US" dirty="0"/>
               <a:t>What is an LED?</a:t>
             </a:r>
-            <a:endParaRPr lang="en-US" dirty="0"/>
           </a:p>
         </p:txBody>
       </p:sp>
